--- a/web/XAMPP伺服器安裝作業.pptx
+++ b/web/XAMPP伺服器安裝作業.pptx
@@ -20,35 +20,36 @@
     <p:sldId id="263" r:id="rId14"/>
     <p:sldId id="266" r:id="rId15"/>
     <p:sldId id="267" r:id="rId16"/>
-    <p:sldId id="268" r:id="rId17"/>
-    <p:sldId id="269" r:id="rId18"/>
-    <p:sldId id="270" r:id="rId19"/>
-    <p:sldId id="271" r:id="rId20"/>
-    <p:sldId id="272" r:id="rId21"/>
-    <p:sldId id="273" r:id="rId22"/>
-    <p:sldId id="274" r:id="rId23"/>
-    <p:sldId id="275" r:id="rId24"/>
-    <p:sldId id="276" r:id="rId25"/>
-    <p:sldId id="277" r:id="rId26"/>
-    <p:sldId id="278" r:id="rId27"/>
-    <p:sldId id="279" r:id="rId28"/>
-    <p:sldId id="280" r:id="rId29"/>
-    <p:sldId id="281" r:id="rId30"/>
-    <p:sldId id="282" r:id="rId31"/>
-    <p:sldId id="283" r:id="rId32"/>
-    <p:sldId id="284" r:id="rId33"/>
-    <p:sldId id="285" r:id="rId34"/>
-    <p:sldId id="286" r:id="rId35"/>
-    <p:sldId id="287" r:id="rId36"/>
-    <p:sldId id="288" r:id="rId37"/>
-    <p:sldId id="289" r:id="rId38"/>
-    <p:sldId id="290" r:id="rId39"/>
-    <p:sldId id="291" r:id="rId40"/>
-    <p:sldId id="292" r:id="rId41"/>
-    <p:sldId id="293" r:id="rId42"/>
-    <p:sldId id="294" r:id="rId43"/>
-    <p:sldId id="295" r:id="rId44"/>
-    <p:sldId id="296" r:id="rId45"/>
+    <p:sldId id="302" r:id="rId17"/>
+    <p:sldId id="268" r:id="rId18"/>
+    <p:sldId id="269" r:id="rId19"/>
+    <p:sldId id="270" r:id="rId20"/>
+    <p:sldId id="271" r:id="rId21"/>
+    <p:sldId id="272" r:id="rId22"/>
+    <p:sldId id="273" r:id="rId23"/>
+    <p:sldId id="274" r:id="rId24"/>
+    <p:sldId id="275" r:id="rId25"/>
+    <p:sldId id="276" r:id="rId26"/>
+    <p:sldId id="277" r:id="rId27"/>
+    <p:sldId id="278" r:id="rId28"/>
+    <p:sldId id="279" r:id="rId29"/>
+    <p:sldId id="280" r:id="rId30"/>
+    <p:sldId id="281" r:id="rId31"/>
+    <p:sldId id="282" r:id="rId32"/>
+    <p:sldId id="283" r:id="rId33"/>
+    <p:sldId id="284" r:id="rId34"/>
+    <p:sldId id="285" r:id="rId35"/>
+    <p:sldId id="286" r:id="rId36"/>
+    <p:sldId id="287" r:id="rId37"/>
+    <p:sldId id="288" r:id="rId38"/>
+    <p:sldId id="289" r:id="rId39"/>
+    <p:sldId id="290" r:id="rId40"/>
+    <p:sldId id="291" r:id="rId41"/>
+    <p:sldId id="292" r:id="rId42"/>
+    <p:sldId id="293" r:id="rId43"/>
+    <p:sldId id="294" r:id="rId44"/>
+    <p:sldId id="295" r:id="rId45"/>
+    <p:sldId id="296" r:id="rId46"/>
   </p:sldIdLst>
   <p:sldSz cx="12192000" cy="6858000"/>
   <p:notesSz cx="6858000" cy="9144000"/>
@@ -3505,25 +3506,32 @@
           </a:p>
         </p:txBody>
       </p:sp>
-      <p:sp>
-        <p:nvSpPr>
-          <p:cNvPr id="3" name="內容版面配置區 2"/>
-          <p:cNvSpPr>
-            <a:spLocks noGrp="1"/>
-          </p:cNvSpPr>
+      <p:pic>
+        <p:nvPicPr>
+          <p:cNvPr id="4" name="內容版面配置區 3"/>
+          <p:cNvPicPr>
+            <a:picLocks noGrp="1" noChangeAspect="1"/>
+          </p:cNvPicPr>
           <p:nvPr>
             <p:ph idx="1"/>
           </p:nvPr>
-        </p:nvSpPr>
-        <p:spPr/>
-        <p:txBody>
-          <a:bodyPr/>
-          <a:lstStyle/>
-          <a:p>
-            <a:endParaRPr lang="zh-TW" altLang="en-US"/>
-          </a:p>
-        </p:txBody>
-      </p:sp>
+        </p:nvPicPr>
+        <p:blipFill>
+          <a:blip r:embed="rId2"/>
+          <a:stretch>
+            <a:fillRect/>
+          </a:stretch>
+        </p:blipFill>
+        <p:spPr>
+          <a:xfrm>
+            <a:off x="2686510" y="1825625"/>
+            <a:ext cx="6818979" cy="4351338"/>
+          </a:xfrm>
+          <a:prstGeom prst="rect">
+            <a:avLst/>
+          </a:prstGeom>
+        </p:spPr>
+      </p:pic>
     </p:spTree>
     <p:extLst>
       <p:ext uri="{BB962C8B-B14F-4D97-AF65-F5344CB8AC3E}">
@@ -3592,10 +3600,34 @@
           </a:p>
         </p:txBody>
       </p:sp>
+      <p:pic>
+        <p:nvPicPr>
+          <p:cNvPr id="4" name="圖片 3"/>
+          <p:cNvPicPr>
+            <a:picLocks noChangeAspect="1"/>
+          </p:cNvPicPr>
+          <p:nvPr/>
+        </p:nvPicPr>
+        <p:blipFill>
+          <a:blip r:embed="rId2"/>
+          <a:stretch>
+            <a:fillRect/>
+          </a:stretch>
+        </p:blipFill>
+        <p:spPr>
+          <a:xfrm>
+            <a:off x="1590675" y="890587"/>
+            <a:ext cx="9010650" cy="5076825"/>
+          </a:xfrm>
+          <a:prstGeom prst="rect">
+            <a:avLst/>
+          </a:prstGeom>
+        </p:spPr>
+      </p:pic>
     </p:spTree>
     <p:extLst>
       <p:ext uri="{BB962C8B-B14F-4D97-AF65-F5344CB8AC3E}">
-        <p14:creationId xmlns:p14="http://schemas.microsoft.com/office/powerpoint/2010/main" val="3129436486"/>
+        <p14:creationId xmlns:p14="http://schemas.microsoft.com/office/powerpoint/2010/main" val="1404238337"/>
       </p:ext>
     </p:extLst>
   </p:cSld>
@@ -3660,10 +3692,34 @@
           </a:p>
         </p:txBody>
       </p:sp>
+      <p:pic>
+        <p:nvPicPr>
+          <p:cNvPr id="4" name="圖片 3"/>
+          <p:cNvPicPr>
+            <a:picLocks noChangeAspect="1"/>
+          </p:cNvPicPr>
+          <p:nvPr/>
+        </p:nvPicPr>
+        <p:blipFill>
+          <a:blip r:embed="rId2"/>
+          <a:stretch>
+            <a:fillRect/>
+          </a:stretch>
+        </p:blipFill>
+        <p:spPr>
+          <a:xfrm>
+            <a:off x="2830830" y="423269"/>
+            <a:ext cx="6180364" cy="5509853"/>
+          </a:xfrm>
+          <a:prstGeom prst="rect">
+            <a:avLst/>
+          </a:prstGeom>
+        </p:spPr>
+      </p:pic>
     </p:spTree>
     <p:extLst>
       <p:ext uri="{BB962C8B-B14F-4D97-AF65-F5344CB8AC3E}">
-        <p14:creationId xmlns:p14="http://schemas.microsoft.com/office/powerpoint/2010/main" val="4046443006"/>
+        <p14:creationId xmlns:p14="http://schemas.microsoft.com/office/powerpoint/2010/main" val="3129436486"/>
       </p:ext>
     </p:extLst>
   </p:cSld>
@@ -3731,7 +3787,7 @@
     </p:spTree>
     <p:extLst>
       <p:ext uri="{BB962C8B-B14F-4D97-AF65-F5344CB8AC3E}">
-        <p14:creationId xmlns:p14="http://schemas.microsoft.com/office/powerpoint/2010/main" val="2714993875"/>
+        <p14:creationId xmlns:p14="http://schemas.microsoft.com/office/powerpoint/2010/main" val="4046443006"/>
       </p:ext>
     </p:extLst>
   </p:cSld>
@@ -3799,7 +3855,7 @@
     </p:spTree>
     <p:extLst>
       <p:ext uri="{BB962C8B-B14F-4D97-AF65-F5344CB8AC3E}">
-        <p14:creationId xmlns:p14="http://schemas.microsoft.com/office/powerpoint/2010/main" val="1747200514"/>
+        <p14:creationId xmlns:p14="http://schemas.microsoft.com/office/powerpoint/2010/main" val="2714993875"/>
       </p:ext>
     </p:extLst>
   </p:cSld>
@@ -3916,7 +3972,7 @@
           <a:bodyPr/>
           <a:lstStyle/>
           <a:p>
-            <a:endParaRPr lang="zh-TW" altLang="en-US" dirty="0"/>
+            <a:endParaRPr lang="zh-TW" altLang="en-US"/>
           </a:p>
         </p:txBody>
       </p:sp>
@@ -3942,7 +3998,7 @@
     </p:spTree>
     <p:extLst>
       <p:ext uri="{BB962C8B-B14F-4D97-AF65-F5344CB8AC3E}">
-        <p14:creationId xmlns:p14="http://schemas.microsoft.com/office/powerpoint/2010/main" val="2333023017"/>
+        <p14:creationId xmlns:p14="http://schemas.microsoft.com/office/powerpoint/2010/main" val="1747200514"/>
       </p:ext>
     </p:extLst>
   </p:cSld>
@@ -3984,7 +4040,7 @@
           <a:bodyPr/>
           <a:lstStyle/>
           <a:p>
-            <a:endParaRPr lang="zh-TW" altLang="en-US"/>
+            <a:endParaRPr lang="zh-TW" altLang="en-US" dirty="0"/>
           </a:p>
         </p:txBody>
       </p:sp>
@@ -4010,7 +4066,7 @@
     </p:spTree>
     <p:extLst>
       <p:ext uri="{BB962C8B-B14F-4D97-AF65-F5344CB8AC3E}">
-        <p14:creationId xmlns:p14="http://schemas.microsoft.com/office/powerpoint/2010/main" val="1934862190"/>
+        <p14:creationId xmlns:p14="http://schemas.microsoft.com/office/powerpoint/2010/main" val="2333023017"/>
       </p:ext>
     </p:extLst>
   </p:cSld>
@@ -4078,7 +4134,7 @@
     </p:spTree>
     <p:extLst>
       <p:ext uri="{BB962C8B-B14F-4D97-AF65-F5344CB8AC3E}">
-        <p14:creationId xmlns:p14="http://schemas.microsoft.com/office/powerpoint/2010/main" val="2128807675"/>
+        <p14:creationId xmlns:p14="http://schemas.microsoft.com/office/powerpoint/2010/main" val="1934862190"/>
       </p:ext>
     </p:extLst>
   </p:cSld>
@@ -4146,7 +4202,7 @@
     </p:spTree>
     <p:extLst>
       <p:ext uri="{BB962C8B-B14F-4D97-AF65-F5344CB8AC3E}">
-        <p14:creationId xmlns:p14="http://schemas.microsoft.com/office/powerpoint/2010/main" val="397008463"/>
+        <p14:creationId xmlns:p14="http://schemas.microsoft.com/office/powerpoint/2010/main" val="2128807675"/>
       </p:ext>
     </p:extLst>
   </p:cSld>
@@ -4214,7 +4270,7 @@
     </p:spTree>
     <p:extLst>
       <p:ext uri="{BB962C8B-B14F-4D97-AF65-F5344CB8AC3E}">
-        <p14:creationId xmlns:p14="http://schemas.microsoft.com/office/powerpoint/2010/main" val="640415178"/>
+        <p14:creationId xmlns:p14="http://schemas.microsoft.com/office/powerpoint/2010/main" val="397008463"/>
       </p:ext>
     </p:extLst>
   </p:cSld>
@@ -4256,7 +4312,7 @@
           <a:bodyPr/>
           <a:lstStyle/>
           <a:p>
-            <a:endParaRPr lang="zh-TW" altLang="en-US" dirty="0"/>
+            <a:endParaRPr lang="zh-TW" altLang="en-US"/>
           </a:p>
         </p:txBody>
       </p:sp>
@@ -4282,7 +4338,7 @@
     </p:spTree>
     <p:extLst>
       <p:ext uri="{BB962C8B-B14F-4D97-AF65-F5344CB8AC3E}">
-        <p14:creationId xmlns:p14="http://schemas.microsoft.com/office/powerpoint/2010/main" val="387289303"/>
+        <p14:creationId xmlns:p14="http://schemas.microsoft.com/office/powerpoint/2010/main" val="640415178"/>
       </p:ext>
     </p:extLst>
   </p:cSld>
@@ -4324,7 +4380,7 @@
           <a:bodyPr/>
           <a:lstStyle/>
           <a:p>
-            <a:endParaRPr lang="zh-TW" altLang="en-US"/>
+            <a:endParaRPr lang="zh-TW" altLang="en-US" dirty="0"/>
           </a:p>
         </p:txBody>
       </p:sp>
@@ -4350,7 +4406,7 @@
     </p:spTree>
     <p:extLst>
       <p:ext uri="{BB962C8B-B14F-4D97-AF65-F5344CB8AC3E}">
-        <p14:creationId xmlns:p14="http://schemas.microsoft.com/office/powerpoint/2010/main" val="3190752863"/>
+        <p14:creationId xmlns:p14="http://schemas.microsoft.com/office/powerpoint/2010/main" val="387289303"/>
       </p:ext>
     </p:extLst>
   </p:cSld>
@@ -4418,7 +4474,7 @@
     </p:spTree>
     <p:extLst>
       <p:ext uri="{BB962C8B-B14F-4D97-AF65-F5344CB8AC3E}">
-        <p14:creationId xmlns:p14="http://schemas.microsoft.com/office/powerpoint/2010/main" val="3092532054"/>
+        <p14:creationId xmlns:p14="http://schemas.microsoft.com/office/powerpoint/2010/main" val="3190752863"/>
       </p:ext>
     </p:extLst>
   </p:cSld>
@@ -4486,7 +4542,7 @@
     </p:spTree>
     <p:extLst>
       <p:ext uri="{BB962C8B-B14F-4D97-AF65-F5344CB8AC3E}">
-        <p14:creationId xmlns:p14="http://schemas.microsoft.com/office/powerpoint/2010/main" val="1656385688"/>
+        <p14:creationId xmlns:p14="http://schemas.microsoft.com/office/powerpoint/2010/main" val="3092532054"/>
       </p:ext>
     </p:extLst>
   </p:cSld>
@@ -4554,7 +4610,7 @@
     </p:spTree>
     <p:extLst>
       <p:ext uri="{BB962C8B-B14F-4D97-AF65-F5344CB8AC3E}">
-        <p14:creationId xmlns:p14="http://schemas.microsoft.com/office/powerpoint/2010/main" val="1301526222"/>
+        <p14:creationId xmlns:p14="http://schemas.microsoft.com/office/powerpoint/2010/main" val="1656385688"/>
       </p:ext>
     </p:extLst>
   </p:cSld>
@@ -4671,7 +4727,7 @@
           <a:bodyPr/>
           <a:lstStyle/>
           <a:p>
-            <a:endParaRPr lang="zh-TW" altLang="en-US" dirty="0"/>
+            <a:endParaRPr lang="zh-TW" altLang="en-US"/>
           </a:p>
         </p:txBody>
       </p:sp>
@@ -4697,7 +4753,7 @@
     </p:spTree>
     <p:extLst>
       <p:ext uri="{BB962C8B-B14F-4D97-AF65-F5344CB8AC3E}">
-        <p14:creationId xmlns:p14="http://schemas.microsoft.com/office/powerpoint/2010/main" val="449453309"/>
+        <p14:creationId xmlns:p14="http://schemas.microsoft.com/office/powerpoint/2010/main" val="1301526222"/>
       </p:ext>
     </p:extLst>
   </p:cSld>
@@ -4739,7 +4795,7 @@
           <a:bodyPr/>
           <a:lstStyle/>
           <a:p>
-            <a:endParaRPr lang="zh-TW" altLang="en-US"/>
+            <a:endParaRPr lang="zh-TW" altLang="en-US" dirty="0"/>
           </a:p>
         </p:txBody>
       </p:sp>
@@ -4765,7 +4821,7 @@
     </p:spTree>
     <p:extLst>
       <p:ext uri="{BB962C8B-B14F-4D97-AF65-F5344CB8AC3E}">
-        <p14:creationId xmlns:p14="http://schemas.microsoft.com/office/powerpoint/2010/main" val="3809376778"/>
+        <p14:creationId xmlns:p14="http://schemas.microsoft.com/office/powerpoint/2010/main" val="449453309"/>
       </p:ext>
     </p:extLst>
   </p:cSld>
@@ -4833,7 +4889,7 @@
     </p:spTree>
     <p:extLst>
       <p:ext uri="{BB962C8B-B14F-4D97-AF65-F5344CB8AC3E}">
-        <p14:creationId xmlns:p14="http://schemas.microsoft.com/office/powerpoint/2010/main" val="3509785623"/>
+        <p14:creationId xmlns:p14="http://schemas.microsoft.com/office/powerpoint/2010/main" val="3809376778"/>
       </p:ext>
     </p:extLst>
   </p:cSld>
@@ -4901,7 +4957,7 @@
     </p:spTree>
     <p:extLst>
       <p:ext uri="{BB962C8B-B14F-4D97-AF65-F5344CB8AC3E}">
-        <p14:creationId xmlns:p14="http://schemas.microsoft.com/office/powerpoint/2010/main" val="3461827007"/>
+        <p14:creationId xmlns:p14="http://schemas.microsoft.com/office/powerpoint/2010/main" val="3509785623"/>
       </p:ext>
     </p:extLst>
   </p:cSld>
@@ -4969,7 +5025,7 @@
     </p:spTree>
     <p:extLst>
       <p:ext uri="{BB962C8B-B14F-4D97-AF65-F5344CB8AC3E}">
-        <p14:creationId xmlns:p14="http://schemas.microsoft.com/office/powerpoint/2010/main" val="2114606879"/>
+        <p14:creationId xmlns:p14="http://schemas.microsoft.com/office/powerpoint/2010/main" val="3461827007"/>
       </p:ext>
     </p:extLst>
   </p:cSld>
@@ -5011,7 +5067,7 @@
           <a:bodyPr/>
           <a:lstStyle/>
           <a:p>
-            <a:endParaRPr lang="zh-TW" altLang="en-US" dirty="0"/>
+            <a:endParaRPr lang="zh-TW" altLang="en-US"/>
           </a:p>
         </p:txBody>
       </p:sp>
@@ -5037,7 +5093,7 @@
     </p:spTree>
     <p:extLst>
       <p:ext uri="{BB962C8B-B14F-4D97-AF65-F5344CB8AC3E}">
-        <p14:creationId xmlns:p14="http://schemas.microsoft.com/office/powerpoint/2010/main" val="901207799"/>
+        <p14:creationId xmlns:p14="http://schemas.microsoft.com/office/powerpoint/2010/main" val="2114606879"/>
       </p:ext>
     </p:extLst>
   </p:cSld>
@@ -5079,7 +5135,7 @@
           <a:bodyPr/>
           <a:lstStyle/>
           <a:p>
-            <a:endParaRPr lang="zh-TW" altLang="en-US"/>
+            <a:endParaRPr lang="zh-TW" altLang="en-US" dirty="0"/>
           </a:p>
         </p:txBody>
       </p:sp>
@@ -5105,7 +5161,7 @@
     </p:spTree>
     <p:extLst>
       <p:ext uri="{BB962C8B-B14F-4D97-AF65-F5344CB8AC3E}">
-        <p14:creationId xmlns:p14="http://schemas.microsoft.com/office/powerpoint/2010/main" val="2917922911"/>
+        <p14:creationId xmlns:p14="http://schemas.microsoft.com/office/powerpoint/2010/main" val="901207799"/>
       </p:ext>
     </p:extLst>
   </p:cSld>
@@ -5173,7 +5229,7 @@
     </p:spTree>
     <p:extLst>
       <p:ext uri="{BB962C8B-B14F-4D97-AF65-F5344CB8AC3E}">
-        <p14:creationId xmlns:p14="http://schemas.microsoft.com/office/powerpoint/2010/main" val="1458211454"/>
+        <p14:creationId xmlns:p14="http://schemas.microsoft.com/office/powerpoint/2010/main" val="2917922911"/>
       </p:ext>
     </p:extLst>
   </p:cSld>
@@ -5241,7 +5297,7 @@
     </p:spTree>
     <p:extLst>
       <p:ext uri="{BB962C8B-B14F-4D97-AF65-F5344CB8AC3E}">
-        <p14:creationId xmlns:p14="http://schemas.microsoft.com/office/powerpoint/2010/main" val="292672219"/>
+        <p14:creationId xmlns:p14="http://schemas.microsoft.com/office/powerpoint/2010/main" val="1458211454"/>
       </p:ext>
     </p:extLst>
   </p:cSld>
@@ -5309,7 +5365,7 @@
     </p:spTree>
     <p:extLst>
       <p:ext uri="{BB962C8B-B14F-4D97-AF65-F5344CB8AC3E}">
-        <p14:creationId xmlns:p14="http://schemas.microsoft.com/office/powerpoint/2010/main" val="495591820"/>
+        <p14:creationId xmlns:p14="http://schemas.microsoft.com/office/powerpoint/2010/main" val="292672219"/>
       </p:ext>
     </p:extLst>
   </p:cSld>
@@ -5426,7 +5482,7 @@
           <a:bodyPr/>
           <a:lstStyle/>
           <a:p>
-            <a:endParaRPr lang="zh-TW" altLang="en-US" dirty="0"/>
+            <a:endParaRPr lang="zh-TW" altLang="en-US"/>
           </a:p>
         </p:txBody>
       </p:sp>
@@ -5452,7 +5508,7 @@
     </p:spTree>
     <p:extLst>
       <p:ext uri="{BB962C8B-B14F-4D97-AF65-F5344CB8AC3E}">
-        <p14:creationId xmlns:p14="http://schemas.microsoft.com/office/powerpoint/2010/main" val="3860361239"/>
+        <p14:creationId xmlns:p14="http://schemas.microsoft.com/office/powerpoint/2010/main" val="495591820"/>
       </p:ext>
     </p:extLst>
   </p:cSld>
@@ -5494,7 +5550,7 @@
           <a:bodyPr/>
           <a:lstStyle/>
           <a:p>
-            <a:endParaRPr lang="zh-TW" altLang="en-US"/>
+            <a:endParaRPr lang="zh-TW" altLang="en-US" dirty="0"/>
           </a:p>
         </p:txBody>
       </p:sp>
@@ -5520,7 +5576,7 @@
     </p:spTree>
     <p:extLst>
       <p:ext uri="{BB962C8B-B14F-4D97-AF65-F5344CB8AC3E}">
-        <p14:creationId xmlns:p14="http://schemas.microsoft.com/office/powerpoint/2010/main" val="1072978193"/>
+        <p14:creationId xmlns:p14="http://schemas.microsoft.com/office/powerpoint/2010/main" val="3860361239"/>
       </p:ext>
     </p:extLst>
   </p:cSld>
@@ -5588,7 +5644,7 @@
     </p:spTree>
     <p:extLst>
       <p:ext uri="{BB962C8B-B14F-4D97-AF65-F5344CB8AC3E}">
-        <p14:creationId xmlns:p14="http://schemas.microsoft.com/office/powerpoint/2010/main" val="3054460371"/>
+        <p14:creationId xmlns:p14="http://schemas.microsoft.com/office/powerpoint/2010/main" val="1072978193"/>
       </p:ext>
     </p:extLst>
   </p:cSld>
@@ -5656,6 +5712,74 @@
     </p:spTree>
     <p:extLst>
       <p:ext uri="{BB962C8B-B14F-4D97-AF65-F5344CB8AC3E}">
+        <p14:creationId xmlns:p14="http://schemas.microsoft.com/office/powerpoint/2010/main" val="3054460371"/>
+      </p:ext>
+    </p:extLst>
+  </p:cSld>
+  <p:clrMapOvr>
+    <a:masterClrMapping/>
+  </p:clrMapOvr>
+</p:sld>
+</file>
+
+<file path=ppt/slides/slide44.xml><?xml version="1.0" encoding="utf-8"?>
+<p:sld xmlns:a="http://schemas.openxmlformats.org/drawingml/2006/main" xmlns:r="http://schemas.openxmlformats.org/officeDocument/2006/relationships" xmlns:p="http://schemas.openxmlformats.org/presentationml/2006/main">
+  <p:cSld>
+    <p:spTree>
+      <p:nvGrpSpPr>
+        <p:cNvPr id="1" name=""/>
+        <p:cNvGrpSpPr/>
+        <p:nvPr/>
+      </p:nvGrpSpPr>
+      <p:grpSpPr>
+        <a:xfrm>
+          <a:off x="0" y="0"/>
+          <a:ext cx="0" cy="0"/>
+          <a:chOff x="0" y="0"/>
+          <a:chExt cx="0" cy="0"/>
+        </a:xfrm>
+      </p:grpSpPr>
+      <p:sp>
+        <p:nvSpPr>
+          <p:cNvPr id="2" name="標題 1"/>
+          <p:cNvSpPr>
+            <a:spLocks noGrp="1"/>
+          </p:cNvSpPr>
+          <p:nvPr>
+            <p:ph type="title"/>
+          </p:nvPr>
+        </p:nvSpPr>
+        <p:spPr/>
+        <p:txBody>
+          <a:bodyPr/>
+          <a:lstStyle/>
+          <a:p>
+            <a:endParaRPr lang="zh-TW" altLang="en-US"/>
+          </a:p>
+        </p:txBody>
+      </p:sp>
+      <p:sp>
+        <p:nvSpPr>
+          <p:cNvPr id="3" name="內容版面配置區 2"/>
+          <p:cNvSpPr>
+            <a:spLocks noGrp="1"/>
+          </p:cNvSpPr>
+          <p:nvPr>
+            <p:ph idx="1"/>
+          </p:nvPr>
+        </p:nvSpPr>
+        <p:spPr/>
+        <p:txBody>
+          <a:bodyPr/>
+          <a:lstStyle/>
+          <a:p>
+            <a:endParaRPr lang="zh-TW" altLang="en-US"/>
+          </a:p>
+        </p:txBody>
+      </p:sp>
+    </p:spTree>
+    <p:extLst>
+      <p:ext uri="{BB962C8B-B14F-4D97-AF65-F5344CB8AC3E}">
         <p14:creationId xmlns:p14="http://schemas.microsoft.com/office/powerpoint/2010/main" val="3029545011"/>
       </p:ext>
     </p:extLst>
@@ -5666,7 +5790,7 @@
 </p:sld>
 </file>
 
-<file path=ppt/slides/slide44.xml><?xml version="1.0" encoding="utf-8"?>
+<file path=ppt/slides/slide45.xml><?xml version="1.0" encoding="utf-8"?>
 <p:sld xmlns:a="http://schemas.openxmlformats.org/drawingml/2006/main" xmlns:r="http://schemas.openxmlformats.org/officeDocument/2006/relationships" xmlns:p="http://schemas.openxmlformats.org/presentationml/2006/main">
   <p:cSld>
     <p:spTree>
